--- a/report_template.pptx
+++ b/report_template.pptx
@@ -1486,9 +1486,10 @@
           <a:p>
             <a:pPr fontAlgn="auto"/>
             <a:r>
-              <a:rPr lang="zh-CN" altLang="en-US" strike="noStrike" noProof="1"/>
-              <a:t>动作质量评估中跨域对齐方法研究</a:t>
-            </a:r>
+              <a:rPr lang="en-US" altLang="zh-CN" noProof="1"/>
+              <a:t>XXX</a:t>
+            </a:r>
+            <a:endParaRPr lang="zh-CN" altLang="en-US" strike="noStrike" noProof="1"/>
           </a:p>
         </p:txBody>
       </p:sp>
@@ -1620,7 +1621,7 @@
           <a:p>
             <a:pPr algn="ctr"/>
             <a:r>
-              <a:rPr lang="zh-CN" altLang="en-US" sz="1600">
+              <a:rPr lang="en-US" altLang="zh-CN" sz="1600" dirty="0">
                 <a:solidFill>
                   <a:schemeClr val="bg1"/>
                 </a:solidFill>
@@ -1629,10 +1630,10 @@
                 <a:cs typeface="黑体" panose="02010609060101010101" charset="-122"/>
                 <a:sym typeface="+mn-ea"/>
               </a:rPr>
-              <a:t>周康垒（梁晓辉教授指导）</a:t>
-            </a:r>
-            <a:r>
-              <a:rPr lang="en-US" altLang="zh-CN" sz="1600">
+              <a:t>XXX</a:t>
+            </a:r>
+            <a:r>
+              <a:rPr lang="zh-CN" altLang="en-US" sz="1600" dirty="0">
                 <a:solidFill>
                   <a:schemeClr val="bg1"/>
                 </a:solidFill>
@@ -1641,9 +1642,45 @@
                 <a:cs typeface="黑体" panose="02010609060101010101" charset="-122"/>
                 <a:sym typeface="+mn-ea"/>
               </a:rPr>
+              <a:t>（</a:t>
+            </a:r>
+            <a:r>
+              <a:rPr lang="en-US" altLang="zh-CN" sz="1600" dirty="0">
+                <a:solidFill>
+                  <a:schemeClr val="bg1"/>
+                </a:solidFill>
+                <a:latin typeface="黑体" panose="02010609060101010101" charset="-122"/>
+                <a:ea typeface="黑体" panose="02010609060101010101" charset="-122"/>
+                <a:cs typeface="黑体" panose="02010609060101010101" charset="-122"/>
+                <a:sym typeface="+mn-ea"/>
+              </a:rPr>
+              <a:t>XXX</a:t>
+            </a:r>
+            <a:r>
+              <a:rPr lang="zh-CN" altLang="en-US" sz="1600" dirty="0">
+                <a:solidFill>
+                  <a:schemeClr val="bg1"/>
+                </a:solidFill>
+                <a:latin typeface="黑体" panose="02010609060101010101" charset="-122"/>
+                <a:ea typeface="黑体" panose="02010609060101010101" charset="-122"/>
+                <a:cs typeface="黑体" panose="02010609060101010101" charset="-122"/>
+                <a:sym typeface="+mn-ea"/>
+              </a:rPr>
+              <a:t>教授指导）</a:t>
+            </a:r>
+            <a:r>
+              <a:rPr lang="en-US" altLang="zh-CN" sz="1600" dirty="0">
+                <a:solidFill>
+                  <a:schemeClr val="bg1"/>
+                </a:solidFill>
+                <a:latin typeface="黑体" panose="02010609060101010101" charset="-122"/>
+                <a:ea typeface="黑体" panose="02010609060101010101" charset="-122"/>
+                <a:cs typeface="黑体" panose="02010609060101010101" charset="-122"/>
+                <a:sym typeface="+mn-ea"/>
+              </a:rPr>
               <a:t> </a:t>
             </a:r>
-            <a:endParaRPr lang="zh-CN" altLang="en-US" sz="1600">
+            <a:endParaRPr lang="zh-CN" altLang="en-US" sz="1600" dirty="0">
               <a:solidFill>
                 <a:schemeClr val="bg1"/>
               </a:solidFill>
